--- a/選擇權自動化.pptx
+++ b/選擇權自動化.pptx
@@ -17,10 +17,9 @@
     <p:sldId id="266" r:id="rId11"/>
     <p:sldId id="269" r:id="rId12"/>
     <p:sldId id="270" r:id="rId13"/>
-    <p:sldId id="272" r:id="rId14"/>
-    <p:sldId id="271" r:id="rId15"/>
-    <p:sldId id="267" r:id="rId16"/>
-    <p:sldId id="268" r:id="rId17"/>
+    <p:sldId id="271" r:id="rId14"/>
+    <p:sldId id="267" r:id="rId15"/>
+    <p:sldId id="268" r:id="rId16"/>
   </p:sldIdLst>
   <p:sldSz cx="12192000" cy="6858000"/>
   <p:notesSz cx="6858000" cy="9144000"/>
@@ -274,7 +273,7 @@
           <a:p>
             <a:fld id="{F08863E2-33C6-4A67-A414-40E7C2332897}" type="datetimeFigureOut">
               <a:rPr lang="zh-TW" altLang="en-US" smtClean="0"/>
-              <a:t>2023/5/18</a:t>
+              <a:t>2023/3/8</a:t>
             </a:fld>
             <a:endParaRPr lang="zh-TW" altLang="en-US"/>
           </a:p>
@@ -472,7 +471,7 @@
           <a:p>
             <a:fld id="{F08863E2-33C6-4A67-A414-40E7C2332897}" type="datetimeFigureOut">
               <a:rPr lang="zh-TW" altLang="en-US" smtClean="0"/>
-              <a:t>2023/5/18</a:t>
+              <a:t>2023/3/8</a:t>
             </a:fld>
             <a:endParaRPr lang="zh-TW" altLang="en-US"/>
           </a:p>
@@ -680,7 +679,7 @@
           <a:p>
             <a:fld id="{F08863E2-33C6-4A67-A414-40E7C2332897}" type="datetimeFigureOut">
               <a:rPr lang="zh-TW" altLang="en-US" smtClean="0"/>
-              <a:t>2023/5/18</a:t>
+              <a:t>2023/3/8</a:t>
             </a:fld>
             <a:endParaRPr lang="zh-TW" altLang="en-US"/>
           </a:p>
@@ -878,7 +877,7 @@
           <a:p>
             <a:fld id="{F08863E2-33C6-4A67-A414-40E7C2332897}" type="datetimeFigureOut">
               <a:rPr lang="zh-TW" altLang="en-US" smtClean="0"/>
-              <a:t>2023/5/18</a:t>
+              <a:t>2023/3/8</a:t>
             </a:fld>
             <a:endParaRPr lang="zh-TW" altLang="en-US"/>
           </a:p>
@@ -1153,7 +1152,7 @@
           <a:p>
             <a:fld id="{F08863E2-33C6-4A67-A414-40E7C2332897}" type="datetimeFigureOut">
               <a:rPr lang="zh-TW" altLang="en-US" smtClean="0"/>
-              <a:t>2023/5/18</a:t>
+              <a:t>2023/3/8</a:t>
             </a:fld>
             <a:endParaRPr lang="zh-TW" altLang="en-US"/>
           </a:p>
@@ -1418,7 +1417,7 @@
           <a:p>
             <a:fld id="{F08863E2-33C6-4A67-A414-40E7C2332897}" type="datetimeFigureOut">
               <a:rPr lang="zh-TW" altLang="en-US" smtClean="0"/>
-              <a:t>2023/5/18</a:t>
+              <a:t>2023/3/8</a:t>
             </a:fld>
             <a:endParaRPr lang="zh-TW" altLang="en-US"/>
           </a:p>
@@ -1830,7 +1829,7 @@
           <a:p>
             <a:fld id="{F08863E2-33C6-4A67-A414-40E7C2332897}" type="datetimeFigureOut">
               <a:rPr lang="zh-TW" altLang="en-US" smtClean="0"/>
-              <a:t>2023/5/18</a:t>
+              <a:t>2023/3/8</a:t>
             </a:fld>
             <a:endParaRPr lang="zh-TW" altLang="en-US"/>
           </a:p>
@@ -1971,7 +1970,7 @@
           <a:p>
             <a:fld id="{F08863E2-33C6-4A67-A414-40E7C2332897}" type="datetimeFigureOut">
               <a:rPr lang="zh-TW" altLang="en-US" smtClean="0"/>
-              <a:t>2023/5/18</a:t>
+              <a:t>2023/3/8</a:t>
             </a:fld>
             <a:endParaRPr lang="zh-TW" altLang="en-US"/>
           </a:p>
@@ -2084,7 +2083,7 @@
           <a:p>
             <a:fld id="{F08863E2-33C6-4A67-A414-40E7C2332897}" type="datetimeFigureOut">
               <a:rPr lang="zh-TW" altLang="en-US" smtClean="0"/>
-              <a:t>2023/5/18</a:t>
+              <a:t>2023/3/8</a:t>
             </a:fld>
             <a:endParaRPr lang="zh-TW" altLang="en-US"/>
           </a:p>
@@ -2395,7 +2394,7 @@
           <a:p>
             <a:fld id="{F08863E2-33C6-4A67-A414-40E7C2332897}" type="datetimeFigureOut">
               <a:rPr lang="zh-TW" altLang="en-US" smtClean="0"/>
-              <a:t>2023/5/18</a:t>
+              <a:t>2023/3/8</a:t>
             </a:fld>
             <a:endParaRPr lang="zh-TW" altLang="en-US"/>
           </a:p>
@@ -2683,7 +2682,7 @@
           <a:p>
             <a:fld id="{F08863E2-33C6-4A67-A414-40E7C2332897}" type="datetimeFigureOut">
               <a:rPr lang="zh-TW" altLang="en-US" smtClean="0"/>
-              <a:t>2023/5/18</a:t>
+              <a:t>2023/3/8</a:t>
             </a:fld>
             <a:endParaRPr lang="zh-TW" altLang="en-US"/>
           </a:p>
@@ -2924,7 +2923,7 @@
           <a:p>
             <a:fld id="{F08863E2-33C6-4A67-A414-40E7C2332897}" type="datetimeFigureOut">
               <a:rPr lang="zh-TW" altLang="en-US" smtClean="0"/>
-              <a:t>2023/5/18</a:t>
+              <a:t>2023/3/8</a:t>
             </a:fld>
             <a:endParaRPr lang="zh-TW" altLang="en-US"/>
           </a:p>
@@ -3843,7 +3842,7 @@
           <a:p>
             <a:r>
               <a:rPr lang="zh-TW" altLang="en-US" dirty="0"/>
-              <a:t>每日開盤前，掛最接近台灣指數收盤的履約價，也就是平盤價上，</a:t>
+              <a:t>每日開盤前，掛最接近台灣指數收盤的履約價</a:t>
             </a:r>
             <a:r>
               <a:rPr lang="en-US" altLang="zh-TW" dirty="0"/>
@@ -3859,7 +3858,7 @@
             </a:r>
             <a:r>
               <a:rPr lang="zh-TW" altLang="en-US" dirty="0"/>
-              <a:t>的漲停價</a:t>
+              <a:t>漲停價</a:t>
             </a:r>
             <a:endParaRPr lang="en-US" altLang="zh-TW" dirty="0"/>
           </a:p>
@@ -3956,22 +3955,6 @@
             <a:r>
               <a:rPr lang="en-US" altLang="zh-TW" dirty="0"/>
               <a:t>16650*10% = 1665</a:t>
-            </a:r>
-            <a:r>
-              <a:rPr lang="zh-TW" altLang="en-US" dirty="0"/>
-              <a:t>，由於太高成交價會</a:t>
-            </a:r>
-            <a:r>
-              <a:rPr lang="en-US" altLang="zh-TW" dirty="0"/>
-              <a:t>10</a:t>
-            </a:r>
-            <a:r>
-              <a:rPr lang="zh-TW" altLang="en-US" dirty="0"/>
-              <a:t>點一跳，因此改掛在</a:t>
-            </a:r>
-            <a:r>
-              <a:rPr lang="en-US" altLang="zh-TW" dirty="0"/>
-              <a:t>1660</a:t>
             </a:r>
             <a:r>
               <a:rPr lang="zh-TW" altLang="en-US" dirty="0"/>
@@ -3997,297 +3980,6 @@
 </file>
 
 <file path=ppt/slides/slide13.xml><?xml version="1.0" encoding="utf-8"?>
-<p:sld xmlns:a="http://schemas.openxmlformats.org/drawingml/2006/main" xmlns:r="http://schemas.openxmlformats.org/officeDocument/2006/relationships" xmlns:p="http://schemas.openxmlformats.org/presentationml/2006/main">
-  <p:cSld>
-    <p:spTree>
-      <p:nvGrpSpPr>
-        <p:cNvPr id="1" name=""/>
-        <p:cNvGrpSpPr/>
-        <p:nvPr/>
-      </p:nvGrpSpPr>
-      <p:grpSpPr>
-        <a:xfrm>
-          <a:off x="0" y="0"/>
-          <a:ext cx="0" cy="0"/>
-          <a:chOff x="0" y="0"/>
-          <a:chExt cx="0" cy="0"/>
-        </a:xfrm>
-      </p:grpSpPr>
-      <p:sp>
-        <p:nvSpPr>
-          <p:cNvPr id="2" name="標題 1">
-            <a:extLst>
-              <a:ext uri="{FF2B5EF4-FFF2-40B4-BE49-F238E27FC236}">
-                <a16:creationId xmlns:a16="http://schemas.microsoft.com/office/drawing/2014/main" id="{763E0317-C59F-429F-8A1C-CFE0EAEC5D09}"/>
-              </a:ext>
-            </a:extLst>
-          </p:cNvPr>
-          <p:cNvSpPr>
-            <a:spLocks noGrp="1"/>
-          </p:cNvSpPr>
-          <p:nvPr>
-            <p:ph type="title"/>
-          </p:nvPr>
-        </p:nvSpPr>
-        <p:spPr/>
-        <p:txBody>
-          <a:bodyPr/>
-          <a:lstStyle/>
-          <a:p>
-            <a:r>
-              <a:rPr lang="zh-TW" altLang="en-US" dirty="0"/>
-              <a:t>實單預掛</a:t>
-            </a:r>
-            <a:r>
-              <a:rPr lang="en-US" altLang="zh-TW" dirty="0"/>
-              <a:t>Buy Call</a:t>
-            </a:r>
-            <a:r>
-              <a:rPr lang="zh-TW" altLang="en-US" dirty="0"/>
-              <a:t>跌停單</a:t>
-            </a:r>
-          </a:p>
-        </p:txBody>
-      </p:sp>
-      <p:sp>
-        <p:nvSpPr>
-          <p:cNvPr id="3" name="內容版面配置區 2">
-            <a:extLst>
-              <a:ext uri="{FF2B5EF4-FFF2-40B4-BE49-F238E27FC236}">
-                <a16:creationId xmlns:a16="http://schemas.microsoft.com/office/drawing/2014/main" id="{99C58024-C95E-4E4F-9097-63791D77E1F1}"/>
-              </a:ext>
-            </a:extLst>
-          </p:cNvPr>
-          <p:cNvSpPr>
-            <a:spLocks noGrp="1"/>
-          </p:cNvSpPr>
-          <p:nvPr>
-            <p:ph idx="1"/>
-          </p:nvPr>
-        </p:nvSpPr>
-        <p:spPr/>
-        <p:txBody>
-          <a:bodyPr/>
-          <a:lstStyle/>
-          <a:p>
-            <a:r>
-              <a:rPr lang="zh-TW" altLang="en-US" dirty="0"/>
-              <a:t>每日開盤前，掛昨日收盤的跌停履約價，也就是昨日收</a:t>
-            </a:r>
-            <a:r>
-              <a:rPr lang="en-US" altLang="zh-TW" dirty="0"/>
-              <a:t>-</a:t>
-            </a:r>
-            <a:r>
-              <a:rPr lang="zh-TW" altLang="en-US" dirty="0"/>
-              <a:t>昨日收*</a:t>
-            </a:r>
-            <a:r>
-              <a:rPr lang="en-US" altLang="zh-TW" dirty="0"/>
-              <a:t>10%</a:t>
-            </a:r>
-            <a:r>
-              <a:rPr lang="zh-TW" altLang="en-US" dirty="0"/>
-              <a:t> </a:t>
-            </a:r>
-            <a:r>
-              <a:rPr lang="en-US" altLang="zh-TW" dirty="0"/>
-              <a:t>+</a:t>
-            </a:r>
-            <a:r>
-              <a:rPr lang="zh-TW" altLang="en-US" dirty="0"/>
-              <a:t> </a:t>
-            </a:r>
-            <a:r>
-              <a:rPr lang="en-US" altLang="zh-TW" dirty="0"/>
-              <a:t>200</a:t>
-            </a:r>
-            <a:r>
-              <a:rPr lang="zh-TW" altLang="en-US" dirty="0"/>
-              <a:t>，</a:t>
-            </a:r>
-            <a:r>
-              <a:rPr lang="en-US" altLang="zh-TW" dirty="0"/>
-              <a:t>N</a:t>
-            </a:r>
-            <a:r>
-              <a:rPr lang="zh-TW" altLang="en-US" dirty="0"/>
-              <a:t>口</a:t>
-            </a:r>
-            <a:r>
-              <a:rPr lang="en-US" altLang="zh-TW" dirty="0"/>
-              <a:t>buy call</a:t>
-            </a:r>
-          </a:p>
-          <a:p>
-            <a:pPr lvl="1"/>
-            <a:r>
-              <a:rPr lang="zh-TW" altLang="en-US" dirty="0"/>
-              <a:t>成交價由</a:t>
-            </a:r>
-            <a:r>
-              <a:rPr lang="en-US" altLang="zh-TW" dirty="0" err="1"/>
-              <a:t>globals.buy_call_price</a:t>
-            </a:r>
-            <a:r>
-              <a:rPr lang="zh-TW" altLang="en-US" dirty="0"/>
-              <a:t>決定，預設</a:t>
-            </a:r>
-            <a:r>
-              <a:rPr lang="en-US" altLang="zh-TW" dirty="0"/>
-              <a:t>0.1</a:t>
-            </a:r>
-          </a:p>
-          <a:p>
-            <a:pPr lvl="1"/>
-            <a:r>
-              <a:rPr lang="en-US" altLang="zh-TW" dirty="0"/>
-              <a:t>N</a:t>
-            </a:r>
-            <a:r>
-              <a:rPr lang="zh-TW" altLang="en-US" dirty="0"/>
-              <a:t>由</a:t>
-            </a:r>
-            <a:r>
-              <a:rPr lang="en-US" altLang="zh-TW" dirty="0" err="1"/>
-              <a:t>globals.buy_call_quatity</a:t>
-            </a:r>
-            <a:r>
-              <a:rPr lang="zh-TW" altLang="en-US" dirty="0"/>
-              <a:t>決定</a:t>
-            </a:r>
-          </a:p>
-          <a:p>
-            <a:r>
-              <a:rPr lang="zh-TW" altLang="en-US" dirty="0"/>
-              <a:t>跌停價說明</a:t>
-            </a:r>
-            <a:r>
-              <a:rPr lang="en-US" altLang="zh-TW" dirty="0"/>
-              <a:t>1: </a:t>
-            </a:r>
-            <a:r>
-              <a:rPr lang="zh-TW" altLang="en-US" dirty="0"/>
-              <a:t>假設昨日收盤</a:t>
-            </a:r>
-            <a:r>
-              <a:rPr lang="en-US" altLang="zh-TW" dirty="0"/>
-              <a:t>15000</a:t>
-            </a:r>
-            <a:r>
-              <a:rPr lang="zh-TW" altLang="en-US" dirty="0"/>
-              <a:t>，則今天掛</a:t>
-            </a:r>
-            <a:r>
-              <a:rPr lang="en-US" altLang="zh-TW" dirty="0"/>
-              <a:t>buy call 15000 - 1500 +</a:t>
-            </a:r>
-            <a:r>
-              <a:rPr lang="zh-TW" altLang="en-US" dirty="0"/>
-              <a:t> </a:t>
-            </a:r>
-            <a:r>
-              <a:rPr lang="en-US" altLang="zh-TW" dirty="0"/>
-              <a:t>200</a:t>
-            </a:r>
-            <a:r>
-              <a:rPr lang="zh-TW" altLang="en-US" dirty="0"/>
-              <a:t> </a:t>
-            </a:r>
-            <a:r>
-              <a:rPr lang="en-US" altLang="zh-TW" dirty="0"/>
-              <a:t>= 13700</a:t>
-            </a:r>
-          </a:p>
-          <a:p>
-            <a:r>
-              <a:rPr lang="zh-TW" altLang="en-US" dirty="0"/>
-              <a:t>跌停價說明</a:t>
-            </a:r>
-            <a:r>
-              <a:rPr lang="en-US" altLang="zh-TW" dirty="0"/>
-              <a:t>2: </a:t>
-            </a:r>
-            <a:r>
-              <a:rPr lang="zh-TW" altLang="en-US" dirty="0"/>
-              <a:t>假設昨日收盤</a:t>
-            </a:r>
-            <a:r>
-              <a:rPr lang="en-US" altLang="zh-TW" dirty="0"/>
-              <a:t>16668</a:t>
-            </a:r>
-            <a:r>
-              <a:rPr lang="zh-TW" altLang="en-US" dirty="0"/>
-              <a:t>，則今天掛</a:t>
-            </a:r>
-            <a:r>
-              <a:rPr lang="en-US" altLang="zh-TW" dirty="0"/>
-              <a:t>buy call 16650 - 1665 </a:t>
-            </a:r>
-            <a:r>
-              <a:rPr lang="zh-TW" altLang="en-US" dirty="0"/>
-              <a:t> </a:t>
-            </a:r>
-            <a:r>
-              <a:rPr lang="en-US" altLang="zh-TW" dirty="0"/>
-              <a:t>+</a:t>
-            </a:r>
-            <a:r>
-              <a:rPr lang="zh-TW" altLang="en-US" dirty="0"/>
-              <a:t> </a:t>
-            </a:r>
-            <a:r>
-              <a:rPr lang="en-US" altLang="zh-TW" dirty="0"/>
-              <a:t>200</a:t>
-            </a:r>
-            <a:r>
-              <a:rPr lang="zh-TW" altLang="en-US" dirty="0"/>
-              <a:t> </a:t>
-            </a:r>
-            <a:r>
-              <a:rPr lang="en-US" altLang="zh-TW" dirty="0"/>
-              <a:t>= 15185</a:t>
-            </a:r>
-            <a:r>
-              <a:rPr lang="zh-TW" altLang="en-US" dirty="0"/>
-              <a:t>，取整變</a:t>
-            </a:r>
-            <a:r>
-              <a:rPr lang="en-US" altLang="zh-TW"/>
-              <a:t>15200</a:t>
-            </a:r>
-            <a:endParaRPr lang="en-US" altLang="zh-TW" dirty="0"/>
-          </a:p>
-          <a:p>
-            <a:r>
-              <a:rPr lang="zh-TW" altLang="en-US" dirty="0"/>
-              <a:t>由於離價內太遠，要注意選擇權會</a:t>
-            </a:r>
-            <a:r>
-              <a:rPr lang="en-US" altLang="zh-TW" dirty="0"/>
-              <a:t>100</a:t>
-            </a:r>
-            <a:r>
-              <a:rPr lang="zh-TW" altLang="en-US" dirty="0"/>
-              <a:t>點一跳</a:t>
-            </a:r>
-          </a:p>
-        </p:txBody>
-      </p:sp>
-    </p:spTree>
-    <p:extLst>
-      <p:ext uri="{BB962C8B-B14F-4D97-AF65-F5344CB8AC3E}">
-        <p14:creationId xmlns:p14="http://schemas.microsoft.com/office/powerpoint/2010/main" val="1282903125"/>
-      </p:ext>
-    </p:extLst>
-  </p:cSld>
-  <p:clrMapOvr>
-    <a:masterClrMapping/>
-  </p:clrMapOvr>
-</p:sld>
-</file>
-
-<file path=ppt/slides/slide14.xml><?xml version="1.0" encoding="utf-8"?>
 <p:sld xmlns:a="http://schemas.openxmlformats.org/drawingml/2006/main" xmlns:r="http://schemas.openxmlformats.org/officeDocument/2006/relationships" xmlns:p="http://schemas.openxmlformats.org/presentationml/2006/main">
   <p:cSld>
     <p:spTree>
@@ -4455,7 +4147,7 @@
 </p:sld>
 </file>
 
-<file path=ppt/slides/slide15.xml><?xml version="1.0" encoding="utf-8"?>
+<file path=ppt/slides/slide14.xml><?xml version="1.0" encoding="utf-8"?>
 <p:sld xmlns:a="http://schemas.openxmlformats.org/drawingml/2006/main" xmlns:r="http://schemas.openxmlformats.org/officeDocument/2006/relationships" xmlns:p="http://schemas.openxmlformats.org/presentationml/2006/main">
   <p:cSld>
     <p:spTree>
@@ -4637,7 +4329,7 @@
 </p:sld>
 </file>
 
-<file path=ppt/slides/slide16.xml><?xml version="1.0" encoding="utf-8"?>
+<file path=ppt/slides/slide15.xml><?xml version="1.0" encoding="utf-8"?>
 <p:sld xmlns:a="http://schemas.openxmlformats.org/drawingml/2006/main" xmlns:r="http://schemas.openxmlformats.org/officeDocument/2006/relationships" xmlns:p="http://schemas.openxmlformats.org/presentationml/2006/main">
   <p:cSld>
     <p:spTree>

--- a/選擇權自動化.pptx
+++ b/選擇權自動化.pptx
@@ -273,7 +273,7 @@
           <a:p>
             <a:fld id="{F08863E2-33C6-4A67-A414-40E7C2332897}" type="datetimeFigureOut">
               <a:rPr lang="zh-TW" altLang="en-US" smtClean="0"/>
-              <a:t>2023/3/8</a:t>
+              <a:t>2024/4/14</a:t>
             </a:fld>
             <a:endParaRPr lang="zh-TW" altLang="en-US"/>
           </a:p>
@@ -471,7 +471,7 @@
           <a:p>
             <a:fld id="{F08863E2-33C6-4A67-A414-40E7C2332897}" type="datetimeFigureOut">
               <a:rPr lang="zh-TW" altLang="en-US" smtClean="0"/>
-              <a:t>2023/3/8</a:t>
+              <a:t>2024/4/14</a:t>
             </a:fld>
             <a:endParaRPr lang="zh-TW" altLang="en-US"/>
           </a:p>
@@ -679,7 +679,7 @@
           <a:p>
             <a:fld id="{F08863E2-33C6-4A67-A414-40E7C2332897}" type="datetimeFigureOut">
               <a:rPr lang="zh-TW" altLang="en-US" smtClean="0"/>
-              <a:t>2023/3/8</a:t>
+              <a:t>2024/4/14</a:t>
             </a:fld>
             <a:endParaRPr lang="zh-TW" altLang="en-US"/>
           </a:p>
@@ -877,7 +877,7 @@
           <a:p>
             <a:fld id="{F08863E2-33C6-4A67-A414-40E7C2332897}" type="datetimeFigureOut">
               <a:rPr lang="zh-TW" altLang="en-US" smtClean="0"/>
-              <a:t>2023/3/8</a:t>
+              <a:t>2024/4/14</a:t>
             </a:fld>
             <a:endParaRPr lang="zh-TW" altLang="en-US"/>
           </a:p>
@@ -1152,7 +1152,7 @@
           <a:p>
             <a:fld id="{F08863E2-33C6-4A67-A414-40E7C2332897}" type="datetimeFigureOut">
               <a:rPr lang="zh-TW" altLang="en-US" smtClean="0"/>
-              <a:t>2023/3/8</a:t>
+              <a:t>2024/4/14</a:t>
             </a:fld>
             <a:endParaRPr lang="zh-TW" altLang="en-US"/>
           </a:p>
@@ -1417,7 +1417,7 @@
           <a:p>
             <a:fld id="{F08863E2-33C6-4A67-A414-40E7C2332897}" type="datetimeFigureOut">
               <a:rPr lang="zh-TW" altLang="en-US" smtClean="0"/>
-              <a:t>2023/3/8</a:t>
+              <a:t>2024/4/14</a:t>
             </a:fld>
             <a:endParaRPr lang="zh-TW" altLang="en-US"/>
           </a:p>
@@ -1829,7 +1829,7 @@
           <a:p>
             <a:fld id="{F08863E2-33C6-4A67-A414-40E7C2332897}" type="datetimeFigureOut">
               <a:rPr lang="zh-TW" altLang="en-US" smtClean="0"/>
-              <a:t>2023/3/8</a:t>
+              <a:t>2024/4/14</a:t>
             </a:fld>
             <a:endParaRPr lang="zh-TW" altLang="en-US"/>
           </a:p>
@@ -1970,7 +1970,7 @@
           <a:p>
             <a:fld id="{F08863E2-33C6-4A67-A414-40E7C2332897}" type="datetimeFigureOut">
               <a:rPr lang="zh-TW" altLang="en-US" smtClean="0"/>
-              <a:t>2023/3/8</a:t>
+              <a:t>2024/4/14</a:t>
             </a:fld>
             <a:endParaRPr lang="zh-TW" altLang="en-US"/>
           </a:p>
@@ -2083,7 +2083,7 @@
           <a:p>
             <a:fld id="{F08863E2-33C6-4A67-A414-40E7C2332897}" type="datetimeFigureOut">
               <a:rPr lang="zh-TW" altLang="en-US" smtClean="0"/>
-              <a:t>2023/3/8</a:t>
+              <a:t>2024/4/14</a:t>
             </a:fld>
             <a:endParaRPr lang="zh-TW" altLang="en-US"/>
           </a:p>
@@ -2394,7 +2394,7 @@
           <a:p>
             <a:fld id="{F08863E2-33C6-4A67-A414-40E7C2332897}" type="datetimeFigureOut">
               <a:rPr lang="zh-TW" altLang="en-US" smtClean="0"/>
-              <a:t>2023/3/8</a:t>
+              <a:t>2024/4/14</a:t>
             </a:fld>
             <a:endParaRPr lang="zh-TW" altLang="en-US"/>
           </a:p>
@@ -2682,7 +2682,7 @@
           <a:p>
             <a:fld id="{F08863E2-33C6-4A67-A414-40E7C2332897}" type="datetimeFigureOut">
               <a:rPr lang="zh-TW" altLang="en-US" smtClean="0"/>
-              <a:t>2023/3/8</a:t>
+              <a:t>2024/4/14</a:t>
             </a:fld>
             <a:endParaRPr lang="zh-TW" altLang="en-US"/>
           </a:p>
@@ -2923,7 +2923,7 @@
           <a:p>
             <a:fld id="{F08863E2-33C6-4A67-A414-40E7C2332897}" type="datetimeFigureOut">
               <a:rPr lang="zh-TW" altLang="en-US" smtClean="0"/>
-              <a:t>2023/3/8</a:t>
+              <a:t>2024/4/14</a:t>
             </a:fld>
             <a:endParaRPr lang="zh-TW" altLang="en-US"/>
           </a:p>
@@ -3449,7 +3449,7 @@
           <a:p>
             <a:r>
               <a:rPr lang="zh-TW" altLang="en-US" dirty="0"/>
-              <a:t>憑倉買進價格是動態調整</a:t>
+              <a:t>平倉買進價格是動態調整</a:t>
             </a:r>
             <a:r>
               <a:rPr lang="en-US" altLang="zh-TW" dirty="0"/>
